--- a/Amac_Ozgur_CS_4.pptx
+++ b/Amac_Ozgur_CS_4.pptx
@@ -267,7 +267,7 @@
           <a:bodyPr lIns="0" rIns="0" tIns="0" bIns="0" anchor="b"/>
           <a:p>
             <a:pPr algn="r"/>
-            <a:fld id="{57CA78E5-2B90-43A1-96C4-8E08978622EE}" type="slidenum">
+            <a:fld id="{9445E020-0C93-419C-9AE5-07F0A663E7EA}" type="slidenum">
               <a:rPr b="0" lang="en-US" sz="1400" spc="-1" strike="noStrike">
                 <a:solidFill>
                   <a:srgbClr val="000000"/>
@@ -387,7 +387,7 @@
                 <a:spcPct val="100000"/>
               </a:lnSpc>
             </a:pPr>
-            <a:fld id="{EFC5C65B-0314-46C2-8667-633F395DAD63}" type="slidenum">
+            <a:fld id="{4AAA36F3-7013-4C1A-97B0-BC9452BA8426}" type="slidenum">
               <a:rPr b="0" lang="en-US" sz="1200" spc="-1" strike="noStrike">
                 <a:solidFill>
                   <a:srgbClr val="000000"/>
@@ -507,7 +507,7 @@
                 <a:spcPct val="100000"/>
               </a:lnSpc>
             </a:pPr>
-            <a:fld id="{638C228D-23A9-4F79-AF35-3D2A888095A1}" type="slidenum">
+            <a:fld id="{5BC86576-9347-42BE-B105-DF006F0E0CFD}" type="slidenum">
               <a:rPr b="0" lang="en-US" sz="1200" spc="-1" strike="noStrike">
                 <a:solidFill>
                   <a:srgbClr val="000000"/>
@@ -520,7 +520,7 @@
                 <a:latin typeface="+mn-lt"/>
                 <a:ea typeface="+mn-ea"/>
               </a:rPr>
-              <a:t>&lt;number&gt;</a:t>
+              <a:t>1</a:t>
             </a:fld>
             <a:endParaRPr b="0" lang="en-US" sz="1800" spc="-1" strike="noStrike">
               <a:solidFill>
@@ -641,7 +641,7 @@
                 <a:spcPct val="100000"/>
               </a:lnSpc>
             </a:pPr>
-            <a:fld id="{609434BF-B159-408C-9030-B2F9C3308D4B}" type="slidenum">
+            <a:fld id="{4FF237A2-F1D6-4202-9DB7-5A8C4975BEB1}" type="slidenum">
               <a:rPr b="0" lang="en-US" sz="1200" spc="-1" strike="noStrike">
                 <a:solidFill>
                   <a:srgbClr val="000000"/>
@@ -761,7 +761,7 @@
                 <a:spcPct val="100000"/>
               </a:lnSpc>
             </a:pPr>
-            <a:fld id="{6ABD74A8-0036-4A59-9754-9EA80E925ACC}" type="slidenum">
+            <a:fld id="{F416356E-2536-4161-8F3F-40B5939C9EF4}" type="slidenum">
               <a:rPr b="0" lang="en-US" sz="1200" spc="-1" strike="noStrike">
                 <a:solidFill>
                   <a:srgbClr val="000000"/>
@@ -881,7 +881,7 @@
                 <a:spcPct val="100000"/>
               </a:lnSpc>
             </a:pPr>
-            <a:fld id="{FF75EC90-8967-4670-8400-067551FE8BBE}" type="slidenum">
+            <a:fld id="{5AA86170-78BC-4E16-8177-54386A002872}" type="slidenum">
               <a:rPr b="0" lang="en-US" sz="1200" spc="-1" strike="noStrike">
                 <a:solidFill>
                   <a:srgbClr val="000000"/>
@@ -1001,7 +1001,7 @@
                 <a:spcPct val="100000"/>
               </a:lnSpc>
             </a:pPr>
-            <a:fld id="{EB38930B-6C46-4019-819A-210BE757B3CD}" type="slidenum">
+            <a:fld id="{D115C3DF-12C5-4668-9FF4-9C882156572F}" type="slidenum">
               <a:rPr b="0" lang="en-US" sz="1200" spc="-1" strike="noStrike">
                 <a:solidFill>
                   <a:srgbClr val="000000"/>
@@ -1014,7 +1014,7 @@
                 <a:latin typeface="+mn-lt"/>
                 <a:ea typeface="+mn-ea"/>
               </a:rPr>
-              <a:t>&lt;number&gt;</a:t>
+              <a:t>1</a:t>
             </a:fld>
             <a:endParaRPr b="0" lang="en-US" sz="1800" spc="-1" strike="noStrike">
               <a:solidFill>
@@ -1121,7 +1121,7 @@
                 <a:spcPct val="100000"/>
               </a:lnSpc>
             </a:pPr>
-            <a:fld id="{1307B715-52EF-45F6-8A5B-0A71EB139896}" type="slidenum">
+            <a:fld id="{D77033ED-12FC-4DFF-B59F-4EBAD141BEA6}" type="slidenum">
               <a:rPr b="0" lang="en-US" sz="1200" spc="-1" strike="noStrike">
                 <a:solidFill>
                   <a:srgbClr val="000000"/>
@@ -1134,7 +1134,7 @@
                 <a:latin typeface="+mn-lt"/>
                 <a:ea typeface="+mn-ea"/>
               </a:rPr>
-              <a:t>&lt;number&gt;</a:t>
+              <a:t>1</a:t>
             </a:fld>
             <a:endParaRPr b="0" lang="en-US" sz="1800" spc="-1" strike="noStrike">
               <a:solidFill>
@@ -1241,7 +1241,7 @@
                 <a:spcPct val="100000"/>
               </a:lnSpc>
             </a:pPr>
-            <a:fld id="{75D6EDB0-FA0C-4EFE-AAB7-A12AB802D561}" type="slidenum">
+            <a:fld id="{71FA16C5-2AF1-483D-A493-9E34A0790B04}" type="slidenum">
               <a:rPr b="0" lang="en-US" sz="1200" spc="-1" strike="noStrike">
                 <a:solidFill>
                   <a:srgbClr val="000000"/>
@@ -1254,7 +1254,7 @@
                 <a:latin typeface="+mn-lt"/>
                 <a:ea typeface="+mn-ea"/>
               </a:rPr>
-              <a:t>&lt;number&gt;</a:t>
+              <a:t>1</a:t>
             </a:fld>
             <a:endParaRPr b="0" lang="en-US" sz="1800" spc="-1" strike="noStrike">
               <a:solidFill>
@@ -1361,7 +1361,7 @@
                 <a:spcPct val="100000"/>
               </a:lnSpc>
             </a:pPr>
-            <a:fld id="{5932E027-748F-426A-8F7D-F4F4DD48F093}" type="slidenum">
+            <a:fld id="{96AED628-3E2D-4347-A8D8-18FD26B7EAC2}" type="slidenum">
               <a:rPr b="0" lang="en-US" sz="1200" spc="-1" strike="noStrike">
                 <a:solidFill>
                   <a:srgbClr val="000000"/>
@@ -1374,7 +1374,7 @@
                 <a:latin typeface="+mn-lt"/>
                 <a:ea typeface="+mn-ea"/>
               </a:rPr>
-              <a:t>&lt;number&gt;</a:t>
+              <a:t>1</a:t>
             </a:fld>
             <a:endParaRPr b="0" lang="en-US" sz="1800" spc="-1" strike="noStrike">
               <a:solidFill>
@@ -1481,7 +1481,7 @@
                 <a:spcPct val="100000"/>
               </a:lnSpc>
             </a:pPr>
-            <a:fld id="{19E9CF9F-EB25-48C7-BF15-2AC2C1294F97}" type="slidenum">
+            <a:fld id="{32CA5028-64ED-4DFB-B5B9-C780EF520A98}" type="slidenum">
               <a:rPr b="0" lang="en-US" sz="1200" spc="-1" strike="noStrike">
                 <a:solidFill>
                   <a:srgbClr val="000000"/>
@@ -1494,7 +1494,7 @@
                 <a:latin typeface="+mn-lt"/>
                 <a:ea typeface="+mn-ea"/>
               </a:rPr>
-              <a:t>&lt;number&gt;</a:t>
+              <a:t>1</a:t>
             </a:fld>
             <a:endParaRPr b="0" lang="en-US" sz="1800" spc="-1" strike="noStrike">
               <a:solidFill>
@@ -8049,8 +8049,8 @@
         </p:blipFill>
         <p:spPr>
           <a:xfrm>
-            <a:off x="2077920" y="2835720"/>
-            <a:ext cx="2457000" cy="2457000"/>
+            <a:off x="1017720" y="2586240"/>
+            <a:ext cx="4462200" cy="3099960"/>
           </a:xfrm>
           <a:prstGeom prst="rect">
             <a:avLst/>
@@ -8182,7 +8182,7 @@
                 <a:latin typeface="Avenir Book"/>
                 <a:ea typeface="Avenir Book"/>
               </a:rPr>
-              <a:t>Click here to add your comments</a:t>
+              <a:t>Thank you for the valuable learning experience.</a:t>
             </a:r>
             <a:endParaRPr b="0" lang="en-US" sz="1800" spc="-1" strike="noStrike">
               <a:solidFill>
@@ -11275,8 +11275,8 @@
         </p:blipFill>
         <p:spPr>
           <a:xfrm>
-            <a:off x="4179240" y="1994040"/>
-            <a:ext cx="4132800" cy="4132440"/>
+            <a:off x="3080520" y="2032200"/>
+            <a:ext cx="6035040" cy="4060080"/>
           </a:xfrm>
           <a:prstGeom prst="rect">
             <a:avLst/>
@@ -12769,8 +12769,8 @@
         </p:blipFill>
         <p:spPr>
           <a:xfrm>
-            <a:off x="7498080" y="2743200"/>
-            <a:ext cx="3108960" cy="3108960"/>
+            <a:off x="6793920" y="2743200"/>
+            <a:ext cx="4480560" cy="3108960"/>
           </a:xfrm>
           <a:prstGeom prst="rect">
             <a:avLst/>
@@ -13490,7 +13490,7 @@
       </p:sp>
       <p:pic>
         <p:nvPicPr>
-          <p:cNvPr id="197" name="Picture 18" descr=""/>
+          <p:cNvPr id="197" name="" descr=""/>
           <p:cNvPicPr/>
           <p:nvPr/>
         </p:nvPicPr>
@@ -13500,8 +13500,8 @@
         </p:blipFill>
         <p:spPr>
           <a:xfrm>
-            <a:off x="7406640" y="3136320"/>
-            <a:ext cx="3108960" cy="3108960"/>
+            <a:off x="6675120" y="3205080"/>
+            <a:ext cx="4498920" cy="3008520"/>
           </a:xfrm>
           <a:prstGeom prst="rect">
             <a:avLst/>
